--- a/week6/capstone-story-template.pptx
+++ b/week6/capstone-story-template.pptx
@@ -1,6 +1,6 @@
 
 <file path=ppt/presentation.xml><?xml version="1.0" encoding="utf-8"?>
-<p:presentation xmlns:a="http://schemas.openxmlformats.org/drawingml/2006/main" xmlns:r="http://schemas.openxmlformats.org/officeDocument/2006/relationships" xmlns:p="http://schemas.openxmlformats.org/presentationml/2006/main" saveSubsetFonts="1" autoCompressPictures="0">
+<p:presentation xmlns:a="http://schemas.openxmlformats.org/drawingml/2006/main" xmlns:r="http://schemas.openxmlformats.org/officeDocument/2006/relationships" xmlns:p="http://schemas.openxmlformats.org/presentationml/2006/main" saveSubsetFonts="1" autoCompressPictures="0" bookmarkIdSeed="2">
   <p:sldMasterIdLst>
     <p:sldMasterId id="2147483660" r:id="rId4"/>
   </p:sldMasterIdLst>
@@ -1958,7 +1958,7 @@
           <a:p>
             <a:fld id="{9E497948-54D2-43F8-9A63-A99FE3051738}" type="datetimeFigureOut">
               <a:rPr lang="en-US" smtClean="0"/>
-              <a:t>6/3/2022</a:t>
+              <a:t>13-Jun-22</a:t>
             </a:fld>
             <a:endParaRPr lang="en-US"/>
           </a:p>
@@ -2384,6 +2384,426 @@
     <p:extLst>
       <p:ext uri="{BB962C8B-B14F-4D97-AF65-F5344CB8AC3E}">
         <p14:creationId xmlns:p14="http://schemas.microsoft.com/office/powerpoint/2010/main" val="1612312354"/>
+      </p:ext>
+    </p:extLst>
+  </p:cSld>
+  <p:clrMapOvr>
+    <a:masterClrMapping/>
+  </p:clrMapOvr>
+</p:notes>
+</file>
+
+<file path=ppt/notesSlides/notesSlide3.xml><?xml version="1.0" encoding="utf-8"?>
+<p:notes xmlns:a="http://schemas.openxmlformats.org/drawingml/2006/main" xmlns:r="http://schemas.openxmlformats.org/officeDocument/2006/relationships" xmlns:p="http://schemas.openxmlformats.org/presentationml/2006/main">
+  <p:cSld>
+    <p:spTree>
+      <p:nvGrpSpPr>
+        <p:cNvPr id="1" name=""/>
+        <p:cNvGrpSpPr/>
+        <p:nvPr/>
+      </p:nvGrpSpPr>
+      <p:grpSpPr>
+        <a:xfrm>
+          <a:off x="0" y="0"/>
+          <a:ext cx="0" cy="0"/>
+          <a:chOff x="0" y="0"/>
+          <a:chExt cx="0" cy="0"/>
+        </a:xfrm>
+      </p:grpSpPr>
+      <p:sp>
+        <p:nvSpPr>
+          <p:cNvPr id="2" name="Slide Image Placeholder 1"/>
+          <p:cNvSpPr>
+            <a:spLocks noGrp="1" noRot="1" noChangeAspect="1"/>
+          </p:cNvSpPr>
+          <p:nvPr>
+            <p:ph type="sldImg"/>
+          </p:nvPr>
+        </p:nvSpPr>
+        <p:spPr/>
+      </p:sp>
+      <p:sp>
+        <p:nvSpPr>
+          <p:cNvPr id="3" name="Notes Placeholder 2"/>
+          <p:cNvSpPr>
+            <a:spLocks noGrp="1"/>
+          </p:cNvSpPr>
+          <p:nvPr>
+            <p:ph type="body" idx="1"/>
+          </p:nvPr>
+        </p:nvSpPr>
+        <p:spPr/>
+        <p:txBody>
+          <a:bodyPr/>
+          <a:lstStyle/>
+          <a:p>
+            <a:endParaRPr lang="en-US" dirty="0"/>
+          </a:p>
+        </p:txBody>
+      </p:sp>
+      <p:sp>
+        <p:nvSpPr>
+          <p:cNvPr id="4" name="Slide Number Placeholder 3"/>
+          <p:cNvSpPr>
+            <a:spLocks noGrp="1"/>
+          </p:cNvSpPr>
+          <p:nvPr>
+            <p:ph type="sldNum" sz="quarter" idx="5"/>
+          </p:nvPr>
+        </p:nvSpPr>
+        <p:spPr/>
+        <p:txBody>
+          <a:bodyPr/>
+          <a:lstStyle/>
+          <a:p>
+            <a:fld id="{EEBDA0E2-FEBD-4B65-8F16-724CF984F377}" type="slidenum">
+              <a:rPr lang="en-US" smtClean="0"/>
+              <a:t>6</a:t>
+            </a:fld>
+            <a:endParaRPr lang="en-US"/>
+          </a:p>
+        </p:txBody>
+      </p:sp>
+    </p:spTree>
+    <p:extLst>
+      <p:ext uri="{BB962C8B-B14F-4D97-AF65-F5344CB8AC3E}">
+        <p14:creationId xmlns:p14="http://schemas.microsoft.com/office/powerpoint/2010/main" val="1436993036"/>
+      </p:ext>
+    </p:extLst>
+  </p:cSld>
+  <p:clrMapOvr>
+    <a:masterClrMapping/>
+  </p:clrMapOvr>
+</p:notes>
+</file>
+
+<file path=ppt/notesSlides/notesSlide4.xml><?xml version="1.0" encoding="utf-8"?>
+<p:notes xmlns:a="http://schemas.openxmlformats.org/drawingml/2006/main" xmlns:r="http://schemas.openxmlformats.org/officeDocument/2006/relationships" xmlns:p="http://schemas.openxmlformats.org/presentationml/2006/main">
+  <p:cSld>
+    <p:spTree>
+      <p:nvGrpSpPr>
+        <p:cNvPr id="1" name=""/>
+        <p:cNvGrpSpPr/>
+        <p:nvPr/>
+      </p:nvGrpSpPr>
+      <p:grpSpPr>
+        <a:xfrm>
+          <a:off x="0" y="0"/>
+          <a:ext cx="0" cy="0"/>
+          <a:chOff x="0" y="0"/>
+          <a:chExt cx="0" cy="0"/>
+        </a:xfrm>
+      </p:grpSpPr>
+      <p:sp>
+        <p:nvSpPr>
+          <p:cNvPr id="2" name="Slide Image Placeholder 1"/>
+          <p:cNvSpPr>
+            <a:spLocks noGrp="1" noRot="1" noChangeAspect="1"/>
+          </p:cNvSpPr>
+          <p:nvPr>
+            <p:ph type="sldImg"/>
+          </p:nvPr>
+        </p:nvSpPr>
+        <p:spPr/>
+      </p:sp>
+      <p:sp>
+        <p:nvSpPr>
+          <p:cNvPr id="3" name="Notes Placeholder 2"/>
+          <p:cNvSpPr>
+            <a:spLocks noGrp="1"/>
+          </p:cNvSpPr>
+          <p:nvPr>
+            <p:ph type="body" idx="1"/>
+          </p:nvPr>
+        </p:nvSpPr>
+        <p:spPr/>
+        <p:txBody>
+          <a:bodyPr/>
+          <a:lstStyle/>
+          <a:p>
+            <a:endParaRPr lang="en-US" dirty="0"/>
+          </a:p>
+        </p:txBody>
+      </p:sp>
+      <p:sp>
+        <p:nvSpPr>
+          <p:cNvPr id="4" name="Slide Number Placeholder 3"/>
+          <p:cNvSpPr>
+            <a:spLocks noGrp="1"/>
+          </p:cNvSpPr>
+          <p:nvPr>
+            <p:ph type="sldNum" sz="quarter" idx="5"/>
+          </p:nvPr>
+        </p:nvSpPr>
+        <p:spPr/>
+        <p:txBody>
+          <a:bodyPr/>
+          <a:lstStyle/>
+          <a:p>
+            <a:fld id="{EEBDA0E2-FEBD-4B65-8F16-724CF984F377}" type="slidenum">
+              <a:rPr lang="en-US" smtClean="0"/>
+              <a:t>7</a:t>
+            </a:fld>
+            <a:endParaRPr lang="en-US"/>
+          </a:p>
+        </p:txBody>
+      </p:sp>
+    </p:spTree>
+    <p:extLst>
+      <p:ext uri="{BB962C8B-B14F-4D97-AF65-F5344CB8AC3E}">
+        <p14:creationId xmlns:p14="http://schemas.microsoft.com/office/powerpoint/2010/main" val="129471181"/>
+      </p:ext>
+    </p:extLst>
+  </p:cSld>
+  <p:clrMapOvr>
+    <a:masterClrMapping/>
+  </p:clrMapOvr>
+</p:notes>
+</file>
+
+<file path=ppt/notesSlides/notesSlide5.xml><?xml version="1.0" encoding="utf-8"?>
+<p:notes xmlns:a="http://schemas.openxmlformats.org/drawingml/2006/main" xmlns:r="http://schemas.openxmlformats.org/officeDocument/2006/relationships" xmlns:p="http://schemas.openxmlformats.org/presentationml/2006/main">
+  <p:cSld>
+    <p:spTree>
+      <p:nvGrpSpPr>
+        <p:cNvPr id="1" name=""/>
+        <p:cNvGrpSpPr/>
+        <p:nvPr/>
+      </p:nvGrpSpPr>
+      <p:grpSpPr>
+        <a:xfrm>
+          <a:off x="0" y="0"/>
+          <a:ext cx="0" cy="0"/>
+          <a:chOff x="0" y="0"/>
+          <a:chExt cx="0" cy="0"/>
+        </a:xfrm>
+      </p:grpSpPr>
+      <p:sp>
+        <p:nvSpPr>
+          <p:cNvPr id="2" name="Slide Image Placeholder 1"/>
+          <p:cNvSpPr>
+            <a:spLocks noGrp="1" noRot="1" noChangeAspect="1"/>
+          </p:cNvSpPr>
+          <p:nvPr>
+            <p:ph type="sldImg"/>
+          </p:nvPr>
+        </p:nvSpPr>
+        <p:spPr/>
+      </p:sp>
+      <p:sp>
+        <p:nvSpPr>
+          <p:cNvPr id="3" name="Notes Placeholder 2"/>
+          <p:cNvSpPr>
+            <a:spLocks noGrp="1"/>
+          </p:cNvSpPr>
+          <p:nvPr>
+            <p:ph type="body" idx="1"/>
+          </p:nvPr>
+        </p:nvSpPr>
+        <p:spPr/>
+        <p:txBody>
+          <a:bodyPr/>
+          <a:lstStyle/>
+          <a:p>
+            <a:endParaRPr lang="en-US" dirty="0"/>
+          </a:p>
+        </p:txBody>
+      </p:sp>
+      <p:sp>
+        <p:nvSpPr>
+          <p:cNvPr id="4" name="Slide Number Placeholder 3"/>
+          <p:cNvSpPr>
+            <a:spLocks noGrp="1"/>
+          </p:cNvSpPr>
+          <p:nvPr>
+            <p:ph type="sldNum" sz="quarter" idx="5"/>
+          </p:nvPr>
+        </p:nvSpPr>
+        <p:spPr/>
+        <p:txBody>
+          <a:bodyPr/>
+          <a:lstStyle/>
+          <a:p>
+            <a:fld id="{EEBDA0E2-FEBD-4B65-8F16-724CF984F377}" type="slidenum">
+              <a:rPr lang="en-US" smtClean="0"/>
+              <a:t>9</a:t>
+            </a:fld>
+            <a:endParaRPr lang="en-US"/>
+          </a:p>
+        </p:txBody>
+      </p:sp>
+    </p:spTree>
+    <p:extLst>
+      <p:ext uri="{BB962C8B-B14F-4D97-AF65-F5344CB8AC3E}">
+        <p14:creationId xmlns:p14="http://schemas.microsoft.com/office/powerpoint/2010/main" val="2200459503"/>
+      </p:ext>
+    </p:extLst>
+  </p:cSld>
+  <p:clrMapOvr>
+    <a:masterClrMapping/>
+  </p:clrMapOvr>
+</p:notes>
+</file>
+
+<file path=ppt/notesSlides/notesSlide6.xml><?xml version="1.0" encoding="utf-8"?>
+<p:notes xmlns:a="http://schemas.openxmlformats.org/drawingml/2006/main" xmlns:r="http://schemas.openxmlformats.org/officeDocument/2006/relationships" xmlns:p="http://schemas.openxmlformats.org/presentationml/2006/main">
+  <p:cSld>
+    <p:spTree>
+      <p:nvGrpSpPr>
+        <p:cNvPr id="1" name=""/>
+        <p:cNvGrpSpPr/>
+        <p:nvPr/>
+      </p:nvGrpSpPr>
+      <p:grpSpPr>
+        <a:xfrm>
+          <a:off x="0" y="0"/>
+          <a:ext cx="0" cy="0"/>
+          <a:chOff x="0" y="0"/>
+          <a:chExt cx="0" cy="0"/>
+        </a:xfrm>
+      </p:grpSpPr>
+      <p:sp>
+        <p:nvSpPr>
+          <p:cNvPr id="2" name="Slide Image Placeholder 1"/>
+          <p:cNvSpPr>
+            <a:spLocks noGrp="1" noRot="1" noChangeAspect="1"/>
+          </p:cNvSpPr>
+          <p:nvPr>
+            <p:ph type="sldImg"/>
+          </p:nvPr>
+        </p:nvSpPr>
+        <p:spPr/>
+      </p:sp>
+      <p:sp>
+        <p:nvSpPr>
+          <p:cNvPr id="3" name="Notes Placeholder 2"/>
+          <p:cNvSpPr>
+            <a:spLocks noGrp="1"/>
+          </p:cNvSpPr>
+          <p:nvPr>
+            <p:ph type="body" idx="1"/>
+          </p:nvPr>
+        </p:nvSpPr>
+        <p:spPr/>
+        <p:txBody>
+          <a:bodyPr/>
+          <a:lstStyle/>
+          <a:p>
+            <a:endParaRPr lang="en-US" dirty="0"/>
+          </a:p>
+        </p:txBody>
+      </p:sp>
+      <p:sp>
+        <p:nvSpPr>
+          <p:cNvPr id="4" name="Slide Number Placeholder 3"/>
+          <p:cNvSpPr>
+            <a:spLocks noGrp="1"/>
+          </p:cNvSpPr>
+          <p:nvPr>
+            <p:ph type="sldNum" sz="quarter" idx="5"/>
+          </p:nvPr>
+        </p:nvSpPr>
+        <p:spPr/>
+        <p:txBody>
+          <a:bodyPr/>
+          <a:lstStyle/>
+          <a:p>
+            <a:fld id="{EEBDA0E2-FEBD-4B65-8F16-724CF984F377}" type="slidenum">
+              <a:rPr lang="en-US" smtClean="0"/>
+              <a:t>12</a:t>
+            </a:fld>
+            <a:endParaRPr lang="en-US"/>
+          </a:p>
+        </p:txBody>
+      </p:sp>
+    </p:spTree>
+    <p:extLst>
+      <p:ext uri="{BB962C8B-B14F-4D97-AF65-F5344CB8AC3E}">
+        <p14:creationId xmlns:p14="http://schemas.microsoft.com/office/powerpoint/2010/main" val="4102654539"/>
+      </p:ext>
+    </p:extLst>
+  </p:cSld>
+  <p:clrMapOvr>
+    <a:masterClrMapping/>
+  </p:clrMapOvr>
+</p:notes>
+</file>
+
+<file path=ppt/notesSlides/notesSlide7.xml><?xml version="1.0" encoding="utf-8"?>
+<p:notes xmlns:a="http://schemas.openxmlformats.org/drawingml/2006/main" xmlns:r="http://schemas.openxmlformats.org/officeDocument/2006/relationships" xmlns:p="http://schemas.openxmlformats.org/presentationml/2006/main">
+  <p:cSld>
+    <p:spTree>
+      <p:nvGrpSpPr>
+        <p:cNvPr id="1" name=""/>
+        <p:cNvGrpSpPr/>
+        <p:nvPr/>
+      </p:nvGrpSpPr>
+      <p:grpSpPr>
+        <a:xfrm>
+          <a:off x="0" y="0"/>
+          <a:ext cx="0" cy="0"/>
+          <a:chOff x="0" y="0"/>
+          <a:chExt cx="0" cy="0"/>
+        </a:xfrm>
+      </p:grpSpPr>
+      <p:sp>
+        <p:nvSpPr>
+          <p:cNvPr id="2" name="Slide Image Placeholder 1"/>
+          <p:cNvSpPr>
+            <a:spLocks noGrp="1" noRot="1" noChangeAspect="1"/>
+          </p:cNvSpPr>
+          <p:nvPr>
+            <p:ph type="sldImg"/>
+          </p:nvPr>
+        </p:nvSpPr>
+        <p:spPr/>
+      </p:sp>
+      <p:sp>
+        <p:nvSpPr>
+          <p:cNvPr id="3" name="Notes Placeholder 2"/>
+          <p:cNvSpPr>
+            <a:spLocks noGrp="1"/>
+          </p:cNvSpPr>
+          <p:nvPr>
+            <p:ph type="body" idx="1"/>
+          </p:nvPr>
+        </p:nvSpPr>
+        <p:spPr/>
+        <p:txBody>
+          <a:bodyPr/>
+          <a:lstStyle/>
+          <a:p>
+            <a:endParaRPr lang="en-US" dirty="0"/>
+          </a:p>
+        </p:txBody>
+      </p:sp>
+      <p:sp>
+        <p:nvSpPr>
+          <p:cNvPr id="4" name="Slide Number Placeholder 3"/>
+          <p:cNvSpPr>
+            <a:spLocks noGrp="1"/>
+          </p:cNvSpPr>
+          <p:nvPr>
+            <p:ph type="sldNum" sz="quarter" idx="5"/>
+          </p:nvPr>
+        </p:nvSpPr>
+        <p:spPr/>
+        <p:txBody>
+          <a:bodyPr/>
+          <a:lstStyle/>
+          <a:p>
+            <a:fld id="{EEBDA0E2-FEBD-4B65-8F16-724CF984F377}" type="slidenum">
+              <a:rPr lang="en-US" smtClean="0"/>
+              <a:t>14</a:t>
+            </a:fld>
+            <a:endParaRPr lang="en-US"/>
+          </a:p>
+        </p:txBody>
+      </p:sp>
+    </p:spTree>
+    <p:extLst>
+      <p:ext uri="{BB962C8B-B14F-4D97-AF65-F5344CB8AC3E}">
+        <p14:creationId xmlns:p14="http://schemas.microsoft.com/office/powerpoint/2010/main" val="4143648824"/>
       </p:ext>
     </p:extLst>
   </p:cSld>
@@ -5450,7 +5870,7 @@
         <p:spPr>
           <a:xfrm>
             <a:off x="6172200" y="2345719"/>
-            <a:ext cx="2900302" cy="1325563"/>
+            <a:ext cx="5094154" cy="1325563"/>
           </a:xfrm>
         </p:spPr>
         <p:txBody>
@@ -5465,7 +5885,7 @@
                   <a:srgbClr val="0E659B"/>
                 </a:solidFill>
               </a:rPr>
-              <a:t>&lt;TITLE&gt;</a:t>
+              <a:t>TECHNOLOGY TREND ANALYSIS</a:t>
             </a:r>
           </a:p>
         </p:txBody>
@@ -5534,7 +5954,7 @@
             </a:pPr>
             <a:r>
               <a:rPr lang="en-US" dirty="0"/>
-              <a:t>&lt;NAME&gt;</a:t>
+              <a:t>Nguyen Anh Duc</a:t>
             </a:r>
           </a:p>
           <a:p>
@@ -5542,9 +5962,10 @@
               <a:buNone/>
             </a:pPr>
             <a:r>
-              <a:rPr lang="en-US" dirty="0"/>
-              <a:t>&lt;DATE&gt;</a:t>
-            </a:r>
+              <a:rPr lang="en-US"/>
+              <a:t>13/6/2022</a:t>
+            </a:r>
+            <a:endParaRPr lang="en-US" dirty="0"/>
           </a:p>
         </p:txBody>
       </p:sp>
@@ -6716,9 +7137,16 @@
             <p:ph type="title"/>
           </p:nvPr>
         </p:nvSpPr>
-        <p:spPr/>
+        <p:spPr>
+          <a:xfrm>
+            <a:off x="838200" y="365126"/>
+            <a:ext cx="10515600" cy="926962"/>
+          </a:xfrm>
+        </p:spPr>
         <p:txBody>
-          <a:bodyPr/>
+          <a:bodyPr>
+            <a:normAutofit fontScale="90000"/>
+          </a:bodyPr>
           <a:lstStyle/>
           <a:p>
             <a:r>
@@ -6771,20 +7199,23 @@
           <a:p>
             <a:r>
               <a:rPr lang="en-US" dirty="0"/>
-              <a:t>Finding 1</a:t>
+              <a:t>MySQL is still the most popular</a:t>
             </a:r>
           </a:p>
           <a:p>
             <a:r>
               <a:rPr lang="en-US" dirty="0"/>
-              <a:t>Finding 2</a:t>
+              <a:t>MongoDB is the most favorable NoSQL database</a:t>
             </a:r>
           </a:p>
           <a:p>
             <a:r>
               <a:rPr lang="en-US" dirty="0"/>
-              <a:t>Finding 3</a:t>
-            </a:r>
+              <a:t>Redis is becoming more preferable</a:t>
+            </a:r>
+          </a:p>
+          <a:p>
+            <a:endParaRPr lang="en-US" dirty="0"/>
           </a:p>
         </p:txBody>
       </p:sp>
@@ -6826,19 +7257,19 @@
           <a:p>
             <a:r>
               <a:rPr lang="en-US" dirty="0"/>
-              <a:t>Implication 1</a:t>
+              <a:t>More companies are changing their database</a:t>
             </a:r>
           </a:p>
           <a:p>
             <a:r>
               <a:rPr lang="en-US" dirty="0"/>
-              <a:t>Implication 2</a:t>
+              <a:t>NoSQL data is getting more important in data industry</a:t>
             </a:r>
           </a:p>
           <a:p>
             <a:r>
               <a:rPr lang="en-US" dirty="0"/>
-              <a:t>Implication 3</a:t>
+              <a:t>Open-source databases like MySQL are still preferable</a:t>
             </a:r>
           </a:p>
         </p:txBody>
@@ -6926,8 +7357,8 @@
         </p:nvSpPr>
         <p:spPr>
           <a:xfrm>
-            <a:off x="4285075" y="3142210"/>
-            <a:ext cx="7068725" cy="2569239"/>
+            <a:off x="4285076" y="3142210"/>
+            <a:ext cx="7449724" cy="2569239"/>
           </a:xfrm>
         </p:spPr>
         <p:txBody>
@@ -6941,7 +7372,7 @@
             </a:pPr>
             <a:r>
               <a:rPr lang="en-US" sz="2200" dirty="0"/>
-              <a:t>&lt;The permanent link of the read-only view of the Cognos dashboard goes here.&gt;</a:t>
+              <a:t>https://jp-tok.dataplatform.cloud.ibm.com/dashboards/af70da43-8f7e-4418-9ae5-c2278446eec3/view/552add08268d2be16ff3b5e407cd78057564205bbabb875189d17b4907347597f03c47c4c87c4f5fdd100432f4ba4459cc</a:t>
             </a:r>
           </a:p>
         </p:txBody>
@@ -7078,17 +7509,38 @@
             </a:pPr>
             <a:endParaRPr lang="en-US" dirty="0"/>
           </a:p>
-          <a:p>
-            <a:pPr marL="0" indent="0">
-              <a:buNone/>
-            </a:pPr>
-            <a:r>
-              <a:rPr lang="en-US" dirty="0"/>
-              <a:t>Screenshot of dashboard tab 1 goes here</a:t>
-            </a:r>
-          </a:p>
         </p:txBody>
       </p:sp>
+      <p:pic>
+        <p:nvPicPr>
+          <p:cNvPr id="6" name="Picture 5">
+            <a:extLst>
+              <a:ext uri="{FF2B5EF4-FFF2-40B4-BE49-F238E27FC236}">
+                <a16:creationId xmlns:a16="http://schemas.microsoft.com/office/drawing/2014/main" id="{DDEC2F69-9CA6-B673-3433-AEFC95C954AB}"/>
+              </a:ext>
+            </a:extLst>
+          </p:cNvPr>
+          <p:cNvPicPr>
+            <a:picLocks noChangeAspect="1"/>
+          </p:cNvPicPr>
+          <p:nvPr/>
+        </p:nvPicPr>
+        <p:blipFill>
+          <a:blip r:embed="rId3"/>
+          <a:stretch>
+            <a:fillRect/>
+          </a:stretch>
+        </p:blipFill>
+        <p:spPr>
+          <a:xfrm>
+            <a:off x="0" y="1690688"/>
+            <a:ext cx="12192000" cy="4351338"/>
+          </a:xfrm>
+          <a:prstGeom prst="rect">
+            <a:avLst/>
+          </a:prstGeom>
+        </p:spPr>
+      </p:pic>
     </p:spTree>
     <p:extLst>
       <p:ext uri="{BB962C8B-B14F-4D97-AF65-F5344CB8AC3E}">
@@ -7191,17 +7643,38 @@
             </a:pPr>
             <a:endParaRPr lang="en-US" dirty="0"/>
           </a:p>
-          <a:p>
-            <a:pPr marL="0" indent="0">
-              <a:buNone/>
-            </a:pPr>
-            <a:r>
-              <a:rPr lang="en-US" dirty="0"/>
-              <a:t>Screenshot of dashboard tab 2 goes here</a:t>
-            </a:r>
-          </a:p>
         </p:txBody>
       </p:sp>
+      <p:pic>
+        <p:nvPicPr>
+          <p:cNvPr id="4" name="Picture 3">
+            <a:extLst>
+              <a:ext uri="{FF2B5EF4-FFF2-40B4-BE49-F238E27FC236}">
+                <a16:creationId xmlns:a16="http://schemas.microsoft.com/office/drawing/2014/main" id="{8D473810-51CC-B2E6-EEC0-2D350A5F2237}"/>
+              </a:ext>
+            </a:extLst>
+          </p:cNvPr>
+          <p:cNvPicPr>
+            <a:picLocks noChangeAspect="1"/>
+          </p:cNvPicPr>
+          <p:nvPr/>
+        </p:nvPicPr>
+        <p:blipFill>
+          <a:blip r:embed="rId2"/>
+          <a:stretch>
+            <a:fillRect/>
+          </a:stretch>
+        </p:blipFill>
+        <p:spPr>
+          <a:xfrm>
+            <a:off x="0" y="1690687"/>
+            <a:ext cx="12192000" cy="4351339"/>
+          </a:xfrm>
+          <a:prstGeom prst="rect">
+            <a:avLst/>
+          </a:prstGeom>
+        </p:spPr>
+      </p:pic>
     </p:spTree>
     <p:extLst>
       <p:ext uri="{BB962C8B-B14F-4D97-AF65-F5344CB8AC3E}">
@@ -7267,54 +7740,35 @@
           </a:p>
         </p:txBody>
       </p:sp>
-      <p:sp>
-        <p:nvSpPr>
-          <p:cNvPr id="8" name="Content Placeholder 2">
+      <p:pic>
+        <p:nvPicPr>
+          <p:cNvPr id="4" name="Content Placeholder 3">
             <a:extLst>
               <a:ext uri="{FF2B5EF4-FFF2-40B4-BE49-F238E27FC236}">
-                <a16:creationId xmlns:a16="http://schemas.microsoft.com/office/drawing/2014/main" id="{EFCC0E64-0E5B-4BA1-BC72-30FA1DE96F29}"/>
+                <a16:creationId xmlns:a16="http://schemas.microsoft.com/office/drawing/2014/main" id="{72CBC8E1-28DA-FE31-3E86-4273C76DAA92}"/>
               </a:ext>
             </a:extLst>
           </p:cNvPr>
-          <p:cNvSpPr>
-            <a:spLocks noGrp="1"/>
-          </p:cNvSpPr>
+          <p:cNvPicPr>
+            <a:picLocks noGrp="1" noChangeAspect="1"/>
+          </p:cNvPicPr>
           <p:nvPr>
             <p:ph idx="1"/>
           </p:nvPr>
-        </p:nvSpPr>
+        </p:nvPicPr>
+        <p:blipFill>
+          <a:blip r:embed="rId3"/>
+          <a:stretch>
+            <a:fillRect/>
+          </a:stretch>
+        </p:blipFill>
         <p:spPr>
           <a:xfrm>
-            <a:off x="838200" y="1690688"/>
-            <a:ext cx="10515600" cy="4351338"/>
+            <a:off x="0" y="1690688"/>
+            <a:ext cx="12191999" cy="4351337"/>
           </a:xfrm>
         </p:spPr>
-        <p:txBody>
-          <a:bodyPr/>
-          <a:lstStyle/>
-          <a:p>
-            <a:pPr marL="0" indent="0">
-              <a:buNone/>
-            </a:pPr>
-            <a:endParaRPr lang="en-US" dirty="0"/>
-          </a:p>
-          <a:p>
-            <a:pPr marL="0" indent="0">
-              <a:buNone/>
-            </a:pPr>
-            <a:endParaRPr lang="en-US" dirty="0"/>
-          </a:p>
-          <a:p>
-            <a:pPr marL="0" indent="0">
-              <a:buNone/>
-            </a:pPr>
-            <a:r>
-              <a:rPr lang="en-US" dirty="0"/>
-              <a:t>Screenshot of dashboard tab 3 goes here</a:t>
-            </a:r>
-          </a:p>
-        </p:txBody>
-      </p:sp>
+      </p:pic>
     </p:spTree>
     <p:extLst>
       <p:ext uri="{BB962C8B-B14F-4D97-AF65-F5344CB8AC3E}">
@@ -7439,7 +7893,16 @@
           <a:bodyPr/>
           <a:lstStyle/>
           <a:p>
-            <a:endParaRPr lang="en-US" dirty="0"/>
+            <a:r>
+              <a:rPr lang="en-US" dirty="0"/>
+              <a:t>Technology Usage Trend Now and Future </a:t>
+            </a:r>
+          </a:p>
+          <a:p>
+            <a:r>
+              <a:rPr lang="en-US" dirty="0"/>
+              <a:t>Gender, Age and Education discrimination in IT Industry </a:t>
+            </a:r>
           </a:p>
         </p:txBody>
       </p:sp>
@@ -7525,7 +7988,7 @@
         </p:spPr>
         <p:txBody>
           <a:bodyPr>
-            <a:normAutofit/>
+            <a:normAutofit lnSpcReduction="10000"/>
           </a:bodyPr>
           <a:lstStyle/>
           <a:p>
@@ -7546,19 +8009,19 @@
           <a:p>
             <a:r>
               <a:rPr lang="en-US" dirty="0"/>
-              <a:t>Finding 1</a:t>
+              <a:t>Technology trend changes every year</a:t>
             </a:r>
           </a:p>
           <a:p>
             <a:r>
               <a:rPr lang="en-US" dirty="0"/>
-              <a:t>Finding 2</a:t>
+              <a:t>There is big difference between numbers of woman IT and man IT </a:t>
             </a:r>
           </a:p>
           <a:p>
             <a:r>
               <a:rPr lang="en-US" dirty="0"/>
-              <a:t>Finding 3</a:t>
+              <a:t>Some language, database, web frame, platform remain its position every year</a:t>
             </a:r>
           </a:p>
         </p:txBody>
@@ -7582,7 +8045,7 @@
         <p:spPr/>
         <p:txBody>
           <a:bodyPr>
-            <a:normAutofit/>
+            <a:normAutofit lnSpcReduction="10000"/>
           </a:bodyPr>
           <a:lstStyle/>
           <a:p>
@@ -7603,19 +8066,19 @@
           <a:p>
             <a:r>
               <a:rPr lang="en-US" dirty="0"/>
-              <a:t>Implication 1</a:t>
+              <a:t>Programmers should know what language, platform,… is on trend</a:t>
             </a:r>
           </a:p>
           <a:p>
             <a:r>
               <a:rPr lang="en-US" dirty="0"/>
-              <a:t>Implication 2</a:t>
+              <a:t>Make more advantages for women to approach technology.</a:t>
             </a:r>
           </a:p>
           <a:p>
             <a:r>
               <a:rPr lang="en-US" dirty="0"/>
-              <a:t>Implication 3</a:t>
+              <a:t>Recruiters from IT companies should not pay attention on gender and age</a:t>
             </a:r>
           </a:p>
         </p:txBody>
@@ -7708,30 +8171,38 @@
           </a:xfrm>
         </p:spPr>
         <p:txBody>
-          <a:bodyPr/>
+          <a:bodyPr>
+            <a:normAutofit/>
+          </a:bodyPr>
           <a:lstStyle/>
           <a:p>
             <a:r>
               <a:rPr lang="en-US" dirty="0"/>
-              <a:t>Point 1</a:t>
+              <a:t>New technology constantly emerges leading to changes in demand.</a:t>
             </a:r>
           </a:p>
           <a:p>
             <a:r>
               <a:rPr lang="en-US" dirty="0"/>
-              <a:t>Point 2</a:t>
+              <a:t>The IT industry needs to diversify in order to eliminate gender gap.</a:t>
             </a:r>
           </a:p>
           <a:p>
             <a:r>
               <a:rPr lang="en-US" dirty="0"/>
-              <a:t>Point 3</a:t>
+              <a:t>New technology leads to different trends and demands.</a:t>
             </a:r>
           </a:p>
           <a:p>
             <a:r>
               <a:rPr lang="en-US" dirty="0"/>
-              <a:t>Point 4</a:t>
+              <a:t>JavaScript and Python are the most popular programming languages.</a:t>
+            </a:r>
+          </a:p>
+          <a:p>
+            <a:r>
+              <a:rPr lang="en-US" dirty="0"/>
+              <a:t>PostgreSQL is the most popular database</a:t>
             </a:r>
           </a:p>
         </p:txBody>
@@ -7833,39 +8304,35 @@
           </a:p>
         </p:txBody>
       </p:sp>
-      <p:sp>
-        <p:nvSpPr>
-          <p:cNvPr id="5" name="Content Placeholder 3">
+      <p:pic>
+        <p:nvPicPr>
+          <p:cNvPr id="6" name="Content Placeholder 5" descr="Graphical user interface, application&#10;&#10;Description automatically generated">
             <a:extLst>
               <a:ext uri="{FF2B5EF4-FFF2-40B4-BE49-F238E27FC236}">
-                <a16:creationId xmlns:a16="http://schemas.microsoft.com/office/drawing/2014/main" id="{28684E62-A9F8-4E7A-AB01-78893062A1B4}"/>
+                <a16:creationId xmlns:a16="http://schemas.microsoft.com/office/drawing/2014/main" id="{BEDAEEB6-FA84-75F5-5A8B-6324700CDEA2}"/>
               </a:ext>
             </a:extLst>
           </p:cNvPr>
-          <p:cNvSpPr>
-            <a:spLocks noGrp="1"/>
-          </p:cNvSpPr>
+          <p:cNvPicPr>
+            <a:picLocks noGrp="1" noChangeAspect="1"/>
+          </p:cNvPicPr>
           <p:nvPr>
             <p:ph sz="half" idx="2"/>
           </p:nvPr>
-        </p:nvSpPr>
+        </p:nvPicPr>
+        <p:blipFill>
+          <a:blip r:embed="rId2"/>
+          <a:stretch>
+            <a:fillRect/>
+          </a:stretch>
+        </p:blipFill>
         <p:spPr>
           <a:xfrm>
-            <a:off x="4544291" y="1825625"/>
-            <a:ext cx="6809509" cy="4351338"/>
+            <a:off x="7899923" y="4098547"/>
+            <a:ext cx="3554728" cy="2491097"/>
           </a:xfrm>
         </p:spPr>
-        <p:txBody>
-          <a:bodyPr/>
-          <a:lstStyle/>
-          <a:p>
-            <a:r>
-              <a:rPr lang="en-US" dirty="0"/>
-              <a:t>Include any relevant additional charts, or tables that you may have created during the analysis phase.</a:t>
-            </a:r>
-          </a:p>
-        </p:txBody>
-      </p:sp>
+      </p:pic>
       <p:pic>
         <p:nvPicPr>
           <p:cNvPr id="4" name="Content Placeholder 3">
@@ -7883,7 +8350,7 @@
           </p:nvPr>
         </p:nvPicPr>
         <p:blipFill>
-          <a:blip r:embed="rId2"/>
+          <a:blip r:embed="rId3"/>
           <a:stretch>
             <a:fillRect/>
           </a:stretch>
@@ -7892,6 +8359,96 @@
           <a:xfrm>
             <a:off x="1055857" y="1849823"/>
             <a:ext cx="3194581" cy="3194581"/>
+          </a:xfrm>
+          <a:prstGeom prst="rect">
+            <a:avLst/>
+          </a:prstGeom>
+        </p:spPr>
+      </p:pic>
+      <p:pic>
+        <p:nvPicPr>
+          <p:cNvPr id="8" name="Picture 7" descr="Graphical user interface, application&#10;&#10;Description automatically generated">
+            <a:extLst>
+              <a:ext uri="{FF2B5EF4-FFF2-40B4-BE49-F238E27FC236}">
+                <a16:creationId xmlns:a16="http://schemas.microsoft.com/office/drawing/2014/main" id="{285CCA42-F9A6-31C5-7763-B6F37207EAA3}"/>
+              </a:ext>
+            </a:extLst>
+          </p:cNvPr>
+          <p:cNvPicPr>
+            <a:picLocks noChangeAspect="1"/>
+          </p:cNvPicPr>
+          <p:nvPr/>
+        </p:nvPicPr>
+        <p:blipFill>
+          <a:blip r:embed="rId4"/>
+          <a:stretch>
+            <a:fillRect/>
+          </a:stretch>
+        </p:blipFill>
+        <p:spPr>
+          <a:xfrm>
+            <a:off x="4492707" y="1451425"/>
+            <a:ext cx="3448857" cy="2667000"/>
+          </a:xfrm>
+          <a:prstGeom prst="rect">
+            <a:avLst/>
+          </a:prstGeom>
+        </p:spPr>
+      </p:pic>
+      <p:pic>
+        <p:nvPicPr>
+          <p:cNvPr id="10" name="Picture 9" descr="Graphical user interface, application&#10;&#10;Description automatically generated">
+            <a:extLst>
+              <a:ext uri="{FF2B5EF4-FFF2-40B4-BE49-F238E27FC236}">
+                <a16:creationId xmlns:a16="http://schemas.microsoft.com/office/drawing/2014/main" id="{BDE6973B-26CA-7B87-4FB3-EA5447F78F70}"/>
+              </a:ext>
+            </a:extLst>
+          </p:cNvPr>
+          <p:cNvPicPr>
+            <a:picLocks noChangeAspect="1"/>
+          </p:cNvPicPr>
+          <p:nvPr/>
+        </p:nvPicPr>
+        <p:blipFill>
+          <a:blip r:embed="rId5"/>
+          <a:stretch>
+            <a:fillRect/>
+          </a:stretch>
+        </p:blipFill>
+        <p:spPr>
+          <a:xfrm>
+            <a:off x="4492707" y="4118426"/>
+            <a:ext cx="3448857" cy="2471218"/>
+          </a:xfrm>
+          <a:prstGeom prst="rect">
+            <a:avLst/>
+          </a:prstGeom>
+        </p:spPr>
+      </p:pic>
+      <p:pic>
+        <p:nvPicPr>
+          <p:cNvPr id="12" name="Picture 11" descr="Graphical user interface, application&#10;&#10;Description automatically generated">
+            <a:extLst>
+              <a:ext uri="{FF2B5EF4-FFF2-40B4-BE49-F238E27FC236}">
+                <a16:creationId xmlns:a16="http://schemas.microsoft.com/office/drawing/2014/main" id="{DF13ECB5-082C-6F83-7C3A-1A4273EF12E9}"/>
+              </a:ext>
+            </a:extLst>
+          </p:cNvPr>
+          <p:cNvPicPr>
+            <a:picLocks noChangeAspect="1"/>
+          </p:cNvPicPr>
+          <p:nvPr/>
+        </p:nvPicPr>
+        <p:blipFill>
+          <a:blip r:embed="rId6"/>
+          <a:stretch>
+            <a:fillRect/>
+          </a:stretch>
+        </p:blipFill>
+        <p:spPr>
+          <a:xfrm>
+            <a:off x="7941564" y="1451425"/>
+            <a:ext cx="3513086" cy="2667000"/>
           </a:xfrm>
           <a:prstGeom prst="rect">
             <a:avLst/>
@@ -7946,8 +8503,8 @@
         </p:nvSpPr>
         <p:spPr>
           <a:xfrm>
-            <a:off x="538248" y="383051"/>
-            <a:ext cx="5929053" cy="1325563"/>
+            <a:off x="838200" y="365125"/>
+            <a:ext cx="10515600" cy="1325563"/>
           </a:xfrm>
         </p:spPr>
         <p:txBody>
@@ -7963,57 +8520,36 @@
           </a:p>
         </p:txBody>
       </p:sp>
-      <p:sp>
-        <p:nvSpPr>
-          <p:cNvPr id="3" name="Content Placeholder 2">
+      <p:pic>
+        <p:nvPicPr>
+          <p:cNvPr id="9" name="Content Placeholder 8" descr="A picture containing icon&#10;&#10;Description automatically generated">
             <a:extLst>
               <a:ext uri="{FF2B5EF4-FFF2-40B4-BE49-F238E27FC236}">
-                <a16:creationId xmlns:a16="http://schemas.microsoft.com/office/drawing/2014/main" id="{902FD5C4-FE5F-46D2-ABC9-49FA4BB8442F}"/>
+                <a16:creationId xmlns:a16="http://schemas.microsoft.com/office/drawing/2014/main" id="{DE73DE4F-EC63-E0E2-BA5F-7A3A021AFFCE}"/>
               </a:ext>
             </a:extLst>
           </p:cNvPr>
-          <p:cNvSpPr>
-            <a:spLocks noGrp="1"/>
-          </p:cNvSpPr>
+          <p:cNvPicPr>
+            <a:picLocks noGrp="1" noChangeAspect="1"/>
+          </p:cNvPicPr>
           <p:nvPr>
-            <p:ph sz="half" idx="2"/>
+            <p:ph idx="1"/>
           </p:nvPr>
-        </p:nvSpPr>
+        </p:nvPicPr>
+        <p:blipFill>
+          <a:blip r:embed="rId2"/>
+          <a:stretch>
+            <a:fillRect/>
+          </a:stretch>
+        </p:blipFill>
         <p:spPr>
           <a:xfrm>
-            <a:off x="914400" y="2191385"/>
-            <a:ext cx="10489276" cy="2862753"/>
+            <a:off x="1966272" y="1690688"/>
+            <a:ext cx="8259455" cy="4351338"/>
           </a:xfrm>
+          <a:noFill/>
         </p:spPr>
-        <p:txBody>
-          <a:bodyPr>
-            <a:normAutofit/>
-          </a:bodyPr>
-          <a:lstStyle/>
-          <a:p>
-            <a:pPr marL="0" indent="0">
-              <a:buNone/>
-            </a:pPr>
-            <a:r>
-              <a:rPr lang="en-US" sz="2200" dirty="0"/>
-              <a:t>In Module 1 you have collected the job posting data using Job API in a file named “</a:t>
-            </a:r>
-            <a:r>
-              <a:rPr lang="en-IN" sz="2400" dirty="0"/>
-              <a:t>job-postings.xlsx</a:t>
-            </a:r>
-            <a:r>
-              <a:rPr lang="en-US" sz="2200" dirty="0"/>
-              <a:t>”. Present that data using a bar chart here. Order the bar chart in the descending order of the number of job </a:t>
-            </a:r>
-            <a:r>
-              <a:rPr lang="en-US" sz="2200"/>
-              <a:t>postings.</a:t>
-            </a:r>
-            <a:endParaRPr lang="en-US" sz="2200" dirty="0"/>
-          </a:p>
-        </p:txBody>
-      </p:sp>
+      </p:pic>
     </p:spTree>
     <p:extLst>
       <p:ext uri="{BB962C8B-B14F-4D97-AF65-F5344CB8AC3E}">
@@ -8127,7 +8663,7 @@
         </p:nvSpPr>
         <p:spPr>
           <a:xfrm>
-            <a:off x="6172200" y="1825625"/>
+            <a:off x="5036318" y="1859395"/>
             <a:ext cx="5181600" cy="4351338"/>
           </a:xfrm>
         </p:spPr>
@@ -8759,8 +9295,8 @@
         </p:nvSpPr>
         <p:spPr>
           <a:xfrm>
-            <a:off x="538248" y="383051"/>
-            <a:ext cx="5929053" cy="1325563"/>
+            <a:off x="838200" y="365125"/>
+            <a:ext cx="10515600" cy="1325563"/>
           </a:xfrm>
         </p:spPr>
         <p:txBody>
@@ -8776,56 +9312,36 @@
           </a:p>
         </p:txBody>
       </p:sp>
-      <p:sp>
-        <p:nvSpPr>
-          <p:cNvPr id="3" name="Content Placeholder 2">
+      <p:pic>
+        <p:nvPicPr>
+          <p:cNvPr id="9" name="Content Placeholder 8" descr="A picture containing icon&#10;&#10;Description automatically generated">
             <a:extLst>
               <a:ext uri="{FF2B5EF4-FFF2-40B4-BE49-F238E27FC236}">
-                <a16:creationId xmlns:a16="http://schemas.microsoft.com/office/drawing/2014/main" id="{902FD5C4-FE5F-46D2-ABC9-49FA4BB8442F}"/>
+                <a16:creationId xmlns:a16="http://schemas.microsoft.com/office/drawing/2014/main" id="{096D51A0-102C-2BFC-B26F-AEAD0AD1FDC1}"/>
               </a:ext>
             </a:extLst>
           </p:cNvPr>
-          <p:cNvSpPr>
-            <a:spLocks noGrp="1"/>
-          </p:cNvSpPr>
+          <p:cNvPicPr>
+            <a:picLocks noGrp="1" noChangeAspect="1"/>
+          </p:cNvPicPr>
           <p:nvPr>
-            <p:ph sz="half" idx="2"/>
+            <p:ph idx="1"/>
           </p:nvPr>
-        </p:nvSpPr>
+        </p:nvPicPr>
+        <p:blipFill>
+          <a:blip r:embed="rId2"/>
+          <a:stretch>
+            <a:fillRect/>
+          </a:stretch>
+        </p:blipFill>
         <p:spPr>
           <a:xfrm>
-            <a:off x="878305" y="2191385"/>
-            <a:ext cx="10525371" cy="2862753"/>
+            <a:off x="1776438" y="1690688"/>
+            <a:ext cx="8639124" cy="4351338"/>
           </a:xfrm>
+          <a:noFill/>
         </p:spPr>
-        <p:txBody>
-          <a:bodyPr>
-            <a:normAutofit/>
-          </a:bodyPr>
-          <a:lstStyle/>
-          <a:p>
-            <a:pPr marL="0" indent="0">
-              <a:buNone/>
-            </a:pPr>
-            <a:r>
-              <a:rPr lang="en-US" sz="2200" dirty="0"/>
-              <a:t>In Module 1 you have collected the job postings data using web scraping in a file named “</a:t>
-            </a:r>
-            <a:r>
-              <a:rPr lang="en-IN" sz="2400" dirty="0"/>
-              <a:t>popular-</a:t>
-            </a:r>
-            <a:r>
-              <a:rPr lang="en-IN" sz="2400" dirty="0" err="1"/>
-              <a:t>languages.csv</a:t>
-            </a:r>
-            <a:r>
-              <a:rPr lang="en-US" sz="2200" dirty="0"/>
-              <a:t>”. Present that data using a bar chart here. Order the bar chart in the descending order of salary.</a:t>
-            </a:r>
-          </a:p>
-        </p:txBody>
-      </p:sp>
+      </p:pic>
     </p:spTree>
     <p:extLst>
       <p:ext uri="{BB962C8B-B14F-4D97-AF65-F5344CB8AC3E}">
@@ -8909,64 +9425,57 @@
         </p:nvSpPr>
         <p:spPr>
           <a:xfrm>
-            <a:off x="4285075" y="1825624"/>
-            <a:ext cx="7068725" cy="4465447"/>
+            <a:off x="4285075" y="1480458"/>
+            <a:ext cx="7068725" cy="4810614"/>
           </a:xfrm>
         </p:spPr>
         <p:txBody>
           <a:bodyPr>
-            <a:normAutofit/>
+            <a:noAutofit/>
           </a:bodyPr>
           <a:lstStyle/>
           <a:p>
             <a:r>
-              <a:rPr lang="en-US" sz="2200" dirty="0"/>
-              <a:t>Point1</a:t>
-            </a:r>
-          </a:p>
-          <a:p>
-            <a:r>
-              <a:rPr lang="en-US" sz="2200" dirty="0"/>
-              <a:t>Point2</a:t>
-            </a:r>
-          </a:p>
-          <a:p>
-            <a:pPr lvl="1"/>
-            <a:r>
-              <a:rPr lang="en-US" sz="1800" dirty="0"/>
-              <a:t>Sub Point 1</a:t>
-            </a:r>
-          </a:p>
-          <a:p>
-            <a:pPr lvl="1"/>
-            <a:r>
-              <a:rPr lang="en-US" sz="1800" dirty="0"/>
-              <a:t>Sub Point 2</a:t>
-            </a:r>
-          </a:p>
-          <a:p>
-            <a:pPr lvl="1"/>
-            <a:r>
-              <a:rPr lang="en-US" sz="1800" dirty="0"/>
-              <a:t>Sub Point 3</a:t>
-            </a:r>
-          </a:p>
-          <a:p>
-            <a:r>
-              <a:rPr lang="en-US" sz="2200" dirty="0"/>
-              <a:t>Point3</a:t>
-            </a:r>
-          </a:p>
-          <a:p>
-            <a:r>
-              <a:rPr lang="en-US" sz="2200" dirty="0"/>
-              <a:t>Point4</a:t>
-            </a:r>
-          </a:p>
-          <a:p>
-            <a:r>
-              <a:rPr lang="en-US" sz="2200" dirty="0"/>
-              <a:t>Point5</a:t>
+              <a:rPr lang="en-US" sz="2500" dirty="0"/>
+              <a:t>JavaScript, Python, HTML/CSS, SQL, and TypeScript are the most desirable programming languages for next year.</a:t>
+            </a:r>
+          </a:p>
+          <a:p>
+            <a:r>
+              <a:rPr lang="en-US" sz="2500" dirty="0"/>
+              <a:t>PostgreSQL, MongoDB, Redis, MySQL, and </a:t>
+            </a:r>
+            <a:r>
+              <a:rPr lang="en-US" sz="2500" dirty="0" err="1"/>
+              <a:t>ElasticSearch</a:t>
+            </a:r>
+            <a:r>
+              <a:rPr lang="en-US" sz="2500" dirty="0"/>
+              <a:t> are the most desirable databases for next year.</a:t>
+            </a:r>
+          </a:p>
+          <a:p>
+            <a:r>
+              <a:rPr lang="en-US" sz="2500" dirty="0"/>
+              <a:t>Gender gap in the IT industry.</a:t>
+            </a:r>
+          </a:p>
+          <a:p>
+            <a:pPr marL="457200" lvl="1" indent="0">
+              <a:buNone/>
+            </a:pPr>
+            <a:r>
+              <a:rPr lang="en-US" sz="2500" dirty="0"/>
+              <a:t>Male = 93.5%</a:t>
+            </a:r>
+          </a:p>
+          <a:p>
+            <a:pPr marL="457200" lvl="1" indent="0">
+              <a:buNone/>
+            </a:pPr>
+            <a:r>
+              <a:rPr lang="en-US" sz="2500" dirty="0"/>
+              <a:t>Female = 6.5%</a:t>
             </a:r>
           </a:p>
         </p:txBody>
@@ -9121,7 +9630,7 @@
         </p:spPr>
         <p:txBody>
           <a:bodyPr vert="horz" lIns="91440" tIns="45720" rIns="91440" bIns="45720" rtlCol="0">
-            <a:normAutofit/>
+            <a:noAutofit/>
           </a:bodyPr>
           <a:lstStyle>
             <a:lvl1pPr marL="228600" indent="-228600" algn="l" defTabSz="914400" rtl="0" eaLnBrk="1" latinLnBrk="0" hangingPunct="1">
@@ -9288,43 +9797,182 @@
             </a:lvl9pPr>
           </a:lstStyle>
           <a:p>
-            <a:r>
-              <a:rPr lang="en-US" sz="2200"/>
-              <a:t>Point1</a:t>
-            </a:r>
-          </a:p>
-          <a:p>
-            <a:r>
-              <a:rPr lang="en-US" sz="2200"/>
-              <a:t>Point2</a:t>
-            </a:r>
-          </a:p>
-          <a:p>
-            <a:r>
-              <a:rPr lang="en-US" sz="2200"/>
-              <a:t>Point3</a:t>
-            </a:r>
-          </a:p>
-          <a:p>
-            <a:r>
-              <a:rPr lang="en-US" sz="2200"/>
-              <a:t>Point4</a:t>
-            </a:r>
-          </a:p>
-          <a:p>
             <a:pPr lvl="1"/>
             <a:r>
-              <a:rPr lang="en-US" sz="1800"/>
-              <a:t>Sub Point1</a:t>
+              <a:rPr lang="en-US" sz="1800" b="1" dirty="0"/>
+              <a:t>What is this report about?</a:t>
+            </a:r>
+          </a:p>
+          <a:p>
+            <a:pPr lvl="2"/>
+            <a:r>
+              <a:rPr lang="en-US" sz="1800" dirty="0"/>
+              <a:t>This</a:t>
+            </a:r>
+            <a:r>
+              <a:rPr lang="en-US" sz="1800" b="1" dirty="0"/>
+              <a:t> </a:t>
+            </a:r>
+            <a:r>
+              <a:rPr lang="en-US" sz="1800" dirty="0"/>
+              <a:t>report is about the trend of technology in this year and next year</a:t>
+            </a:r>
+          </a:p>
+          <a:p>
+            <a:pPr lvl="2"/>
+            <a:r>
+              <a:rPr lang="en-US" sz="1800" dirty="0"/>
+              <a:t>The distribution of gender in IT industry</a:t>
             </a:r>
           </a:p>
           <a:p>
             <a:pPr lvl="1"/>
             <a:r>
-              <a:rPr lang="en-US" sz="1800"/>
-              <a:t>Sub Point2</a:t>
-            </a:r>
-            <a:endParaRPr lang="en-US" sz="1800" dirty="0"/>
+              <a:rPr lang="vi-VN" sz="1800" b="1" dirty="0" err="1"/>
+              <a:t>Purpose</a:t>
+            </a:r>
+            <a:r>
+              <a:rPr lang="vi-VN" sz="1800" b="1" dirty="0"/>
+              <a:t> </a:t>
+            </a:r>
+            <a:r>
+              <a:rPr lang="vi-VN" sz="1800" b="1" dirty="0" err="1"/>
+              <a:t>of</a:t>
+            </a:r>
+            <a:r>
+              <a:rPr lang="vi-VN" sz="1800" b="1" dirty="0"/>
+              <a:t> </a:t>
+            </a:r>
+            <a:r>
+              <a:rPr lang="vi-VN" sz="1800" b="1" dirty="0" err="1"/>
+              <a:t>this</a:t>
+            </a:r>
+            <a:r>
+              <a:rPr lang="vi-VN" sz="1800" b="1" dirty="0"/>
+              <a:t> </a:t>
+            </a:r>
+            <a:r>
+              <a:rPr lang="vi-VN" sz="1800" b="1" dirty="0" err="1"/>
+              <a:t>analysis</a:t>
+            </a:r>
+            <a:r>
+              <a:rPr lang="vi-VN" sz="1800" b="1" dirty="0"/>
+              <a:t>:</a:t>
+            </a:r>
+          </a:p>
+          <a:p>
+            <a:pPr lvl="2">
+              <a:buFont typeface="Arial" panose="020B0604020202020204" pitchFamily="34" charset="0"/>
+              <a:buChar char="•"/>
+            </a:pPr>
+            <a:r>
+              <a:rPr lang="en-US" sz="1800" dirty="0"/>
+              <a:t>Determine what languages, databases, platforms, and web frames are being used most at the moment</a:t>
+            </a:r>
+            <a:endParaRPr lang="vi-VN" sz="1800" dirty="0"/>
+          </a:p>
+          <a:p>
+            <a:pPr lvl="2">
+              <a:buFont typeface="Arial" panose="020B0604020202020204" pitchFamily="34" charset="0"/>
+              <a:buChar char="•"/>
+            </a:pPr>
+            <a:r>
+              <a:rPr lang="en-US" sz="1800" dirty="0"/>
+              <a:t>Determine which fields that IT companies need at the moment and in the future</a:t>
+            </a:r>
+            <a:endParaRPr lang="vi-VN" sz="1800" dirty="0"/>
+          </a:p>
+          <a:p>
+            <a:pPr lvl="2"/>
+            <a:r>
+              <a:rPr lang="en-US" sz="1800" dirty="0"/>
+              <a:t>Analyze the distribution of the gender in IT industry</a:t>
+            </a:r>
+            <a:endParaRPr lang="vi-VN" sz="1800" dirty="0"/>
+          </a:p>
+          <a:p>
+            <a:pPr lvl="1"/>
+            <a:r>
+              <a:rPr lang="en-US" sz="1800" b="1" dirty="0"/>
+              <a:t>Which style of the audience that this presentation aims to reach?</a:t>
+            </a:r>
+            <a:endParaRPr lang="vi-VN" sz="1800" b="1" dirty="0"/>
+          </a:p>
+          <a:p>
+            <a:pPr lvl="2"/>
+            <a:r>
+              <a:rPr lang="vi-VN" sz="1800" dirty="0" err="1"/>
+              <a:t>Recruiter</a:t>
+            </a:r>
+            <a:r>
+              <a:rPr lang="vi-VN" sz="1800" dirty="0"/>
+              <a:t> </a:t>
+            </a:r>
+            <a:r>
+              <a:rPr lang="vi-VN" sz="1800" dirty="0" err="1"/>
+              <a:t>from</a:t>
+            </a:r>
+            <a:r>
+              <a:rPr lang="vi-VN" sz="1800" dirty="0"/>
+              <a:t> IT </a:t>
+            </a:r>
+            <a:r>
+              <a:rPr lang="vi-VN" sz="1800" dirty="0" err="1"/>
+              <a:t>companies</a:t>
+            </a:r>
+            <a:endParaRPr lang="vi-VN" sz="1800" dirty="0"/>
+          </a:p>
+          <a:p>
+            <a:pPr lvl="2"/>
+            <a:r>
+              <a:rPr lang="vi-VN" sz="1800" dirty="0" err="1"/>
+              <a:t>Programmers</a:t>
+            </a:r>
+            <a:endParaRPr lang="vi-VN" sz="1800" dirty="0"/>
+          </a:p>
+          <a:p>
+            <a:pPr lvl="2"/>
+            <a:r>
+              <a:rPr lang="vi-VN" sz="1800" dirty="0" err="1"/>
+              <a:t>Student</a:t>
+            </a:r>
+            <a:r>
+              <a:rPr lang="vi-VN" sz="1800" dirty="0"/>
+              <a:t> </a:t>
+            </a:r>
+            <a:r>
+              <a:rPr lang="vi-VN" sz="1800" dirty="0" err="1"/>
+              <a:t>who</a:t>
+            </a:r>
+            <a:r>
+              <a:rPr lang="vi-VN" sz="1800" dirty="0"/>
+              <a:t> </a:t>
+            </a:r>
+            <a:r>
+              <a:rPr lang="vi-VN" sz="1800" dirty="0" err="1"/>
+              <a:t>is</a:t>
+            </a:r>
+            <a:r>
+              <a:rPr lang="vi-VN" sz="1800" dirty="0"/>
+              <a:t> </a:t>
+            </a:r>
+            <a:r>
+              <a:rPr lang="vi-VN" sz="1800" dirty="0" err="1"/>
+              <a:t>going</a:t>
+            </a:r>
+            <a:r>
+              <a:rPr lang="vi-VN" sz="1800" dirty="0"/>
+              <a:t> to IT </a:t>
+            </a:r>
+            <a:r>
+              <a:rPr lang="vi-VN" sz="1800" dirty="0" err="1"/>
+              <a:t>school</a:t>
+            </a:r>
+            <a:r>
+              <a:rPr lang="en-US" sz="1800" dirty="0"/>
+              <a:t>s</a:t>
+            </a:r>
+            <a:endParaRPr lang="vi-VN" sz="1800" dirty="0"/>
           </a:p>
         </p:txBody>
       </p:sp>
@@ -9422,41 +10070,119 @@
           <a:lstStyle/>
           <a:p>
             <a:r>
-              <a:rPr lang="en-US" sz="2200" dirty="0"/>
-              <a:t>Point1</a:t>
-            </a:r>
-          </a:p>
-          <a:p>
-            <a:r>
-              <a:rPr lang="en-US" sz="2200" dirty="0"/>
-              <a:t>Point2</a:t>
-            </a:r>
-          </a:p>
-          <a:p>
-            <a:r>
-              <a:rPr lang="en-US" sz="2200" dirty="0"/>
-              <a:t>Point3</a:t>
-            </a:r>
-          </a:p>
-          <a:p>
-            <a:r>
-              <a:rPr lang="en-US" sz="2200" dirty="0"/>
-              <a:t>Point4</a:t>
+              <a:rPr lang="vi-VN" sz="2000" dirty="0" err="1"/>
+              <a:t>Where</a:t>
+            </a:r>
+            <a:r>
+              <a:rPr lang="vi-VN" sz="2000" dirty="0"/>
+              <a:t> to </a:t>
+            </a:r>
+            <a:r>
+              <a:rPr lang="vi-VN" sz="2000" dirty="0" err="1"/>
+              <a:t>get</a:t>
+            </a:r>
+            <a:r>
+              <a:rPr lang="vi-VN" sz="2000" dirty="0"/>
+              <a:t> the </a:t>
+            </a:r>
+            <a:r>
+              <a:rPr lang="vi-VN" sz="2000" dirty="0" err="1"/>
+              <a:t>data</a:t>
+            </a:r>
+            <a:r>
+              <a:rPr lang="vi-VN" sz="2000" dirty="0"/>
+              <a:t>?</a:t>
             </a:r>
           </a:p>
           <a:p>
             <a:pPr lvl="1"/>
             <a:r>
-              <a:rPr lang="en-US" sz="1800" dirty="0"/>
-              <a:t>Sub Point1</a:t>
-            </a:r>
+              <a:rPr lang="en-US" sz="2000" dirty="0"/>
+              <a:t>Stack overflow developer 2019 survey </a:t>
+            </a:r>
+            <a:endParaRPr lang="vi-VN" sz="2000" dirty="0"/>
           </a:p>
           <a:p>
             <a:pPr lvl="1"/>
             <a:r>
-              <a:rPr lang="en-US" sz="1800" dirty="0"/>
-              <a:t>Sub Point2</a:t>
-            </a:r>
+              <a:rPr lang="en-US" sz="2000" dirty="0"/>
+              <a:t>GitHub job postings </a:t>
+            </a:r>
+            <a:endParaRPr lang="vi-VN" sz="2000" dirty="0"/>
+          </a:p>
+          <a:p>
+            <a:pPr lvl="1"/>
+            <a:r>
+              <a:rPr lang="en-US" sz="2000" dirty="0"/>
+              <a:t>Programming languages annual salary</a:t>
+            </a:r>
+          </a:p>
+          <a:p>
+            <a:r>
+              <a:rPr lang="vi-VN" sz="2000" dirty="0" err="1"/>
+              <a:t>Data</a:t>
+            </a:r>
+            <a:r>
+              <a:rPr lang="vi-VN" sz="2000" dirty="0"/>
+              <a:t> </a:t>
+            </a:r>
+            <a:r>
+              <a:rPr lang="vi-VN" sz="2000" dirty="0" err="1"/>
+              <a:t>Wraling</a:t>
+            </a:r>
+            <a:endParaRPr lang="en-US" sz="2000" dirty="0"/>
+          </a:p>
+          <a:p>
+            <a:r>
+              <a:rPr lang="vi-VN" sz="2000" dirty="0" err="1"/>
+              <a:t>Data</a:t>
+            </a:r>
+            <a:r>
+              <a:rPr lang="vi-VN" sz="2000" dirty="0"/>
+              <a:t> </a:t>
+            </a:r>
+            <a:r>
+              <a:rPr lang="vi-VN" sz="2000" dirty="0" err="1"/>
+              <a:t>Exploration</a:t>
+            </a:r>
+            <a:endParaRPr lang="en-US" sz="2000" dirty="0"/>
+          </a:p>
+          <a:p>
+            <a:r>
+              <a:rPr lang="vi-VN" sz="2000" dirty="0" err="1"/>
+              <a:t>Data</a:t>
+            </a:r>
+            <a:r>
+              <a:rPr lang="vi-VN" sz="2000" dirty="0"/>
+              <a:t> </a:t>
+            </a:r>
+            <a:r>
+              <a:rPr lang="vi-VN" sz="2000" dirty="0" err="1"/>
+              <a:t>Cleaning</a:t>
+            </a:r>
+            <a:endParaRPr lang="vi-VN" sz="2000" dirty="0"/>
+          </a:p>
+          <a:p>
+            <a:r>
+              <a:rPr lang="vi-VN" sz="2000" dirty="0" err="1"/>
+              <a:t>Data</a:t>
+            </a:r>
+            <a:r>
+              <a:rPr lang="vi-VN" sz="2000" dirty="0"/>
+              <a:t> </a:t>
+            </a:r>
+            <a:r>
+              <a:rPr lang="vi-VN" sz="2000" dirty="0" err="1"/>
+              <a:t>Visualization</a:t>
+            </a:r>
+            <a:endParaRPr lang="vi-VN" sz="2000" dirty="0"/>
+          </a:p>
+          <a:p>
+            <a:r>
+              <a:rPr lang="vi-VN" sz="2000" dirty="0" err="1"/>
+              <a:t>Presentation</a:t>
+            </a:r>
+            <a:endParaRPr lang="en-US" sz="2000" dirty="0"/>
           </a:p>
         </p:txBody>
       </p:sp>
@@ -9602,6 +10328,36 @@
           </a:p>
         </p:txBody>
       </p:sp>
+      <p:pic>
+        <p:nvPicPr>
+          <p:cNvPr id="5" name="Picture 4" descr="A picture containing text, monitor, screenshot, several&#10;&#10;Description automatically generated">
+            <a:extLst>
+              <a:ext uri="{FF2B5EF4-FFF2-40B4-BE49-F238E27FC236}">
+                <a16:creationId xmlns:a16="http://schemas.microsoft.com/office/drawing/2014/main" id="{8B5D0781-E684-0350-89A6-37B0E6E08B17}"/>
+              </a:ext>
+            </a:extLst>
+          </p:cNvPr>
+          <p:cNvPicPr>
+            <a:picLocks noChangeAspect="1"/>
+          </p:cNvPicPr>
+          <p:nvPr/>
+        </p:nvPicPr>
+        <p:blipFill>
+          <a:blip r:embed="rId3"/>
+          <a:stretch>
+            <a:fillRect/>
+          </a:stretch>
+        </p:blipFill>
+        <p:spPr>
+          <a:xfrm>
+            <a:off x="1043114" y="1393371"/>
+            <a:ext cx="10237961" cy="3686252"/>
+          </a:xfrm>
+          <a:prstGeom prst="rect">
+            <a:avLst/>
+          </a:prstGeom>
+        </p:spPr>
+      </p:pic>
     </p:spTree>
     <p:extLst>
       <p:ext uri="{BB962C8B-B14F-4D97-AF65-F5344CB8AC3E}">
@@ -9927,10 +10683,7 @@
             <a:pPr marL="0" indent="0">
               <a:buNone/>
             </a:pPr>
-            <a:r>
-              <a:rPr lang="en-US" sz="2200" dirty="0"/>
-              <a:t>&lt;Bar chart of top 5 programming languages for the current year goes here.&gt;</a:t>
-            </a:r>
+            <a:endParaRPr lang="en-US" sz="2200" dirty="0"/>
           </a:p>
         </p:txBody>
       </p:sp>
@@ -10129,13 +10882,70 @@
             <a:pPr marL="0" indent="0">
               <a:buNone/>
             </a:pPr>
-            <a:r>
-              <a:rPr lang="en-US" sz="2200" dirty="0"/>
-              <a:t>&lt; Bar chart of top 5 programming languages for the next year goes here.&gt;</a:t>
-            </a:r>
+            <a:endParaRPr lang="en-US" sz="2200" dirty="0"/>
           </a:p>
         </p:txBody>
       </p:sp>
+      <p:pic>
+        <p:nvPicPr>
+          <p:cNvPr id="12" name="Picture 11" descr="Icon&#10;&#10;Description automatically generated">
+            <a:extLst>
+              <a:ext uri="{FF2B5EF4-FFF2-40B4-BE49-F238E27FC236}">
+                <a16:creationId xmlns:a16="http://schemas.microsoft.com/office/drawing/2014/main" id="{5630E729-6220-25C4-8EFF-63DE537D06CF}"/>
+              </a:ext>
+            </a:extLst>
+          </p:cNvPr>
+          <p:cNvPicPr>
+            <a:picLocks noChangeAspect="1"/>
+          </p:cNvPicPr>
+          <p:nvPr/>
+        </p:nvPicPr>
+        <p:blipFill>
+          <a:blip r:embed="rId3"/>
+          <a:stretch>
+            <a:fillRect/>
+          </a:stretch>
+        </p:blipFill>
+        <p:spPr>
+          <a:xfrm>
+            <a:off x="813816" y="2327564"/>
+            <a:ext cx="5205985" cy="3849398"/>
+          </a:xfrm>
+          <a:prstGeom prst="rect">
+            <a:avLst/>
+          </a:prstGeom>
+        </p:spPr>
+      </p:pic>
+      <p:pic>
+        <p:nvPicPr>
+          <p:cNvPr id="16" name="Picture 15" descr="Icon&#10;&#10;Description automatically generated">
+            <a:extLst>
+              <a:ext uri="{FF2B5EF4-FFF2-40B4-BE49-F238E27FC236}">
+                <a16:creationId xmlns:a16="http://schemas.microsoft.com/office/drawing/2014/main" id="{E32AF0AA-C188-A4B9-D614-67BA4F0ECCAF}"/>
+              </a:ext>
+            </a:extLst>
+          </p:cNvPr>
+          <p:cNvPicPr>
+            <a:picLocks noChangeAspect="1"/>
+          </p:cNvPicPr>
+          <p:nvPr/>
+        </p:nvPicPr>
+        <p:blipFill>
+          <a:blip r:embed="rId4"/>
+          <a:stretch>
+            <a:fillRect/>
+          </a:stretch>
+        </p:blipFill>
+        <p:spPr>
+          <a:xfrm>
+            <a:off x="6172200" y="2327564"/>
+            <a:ext cx="5685183" cy="3849398"/>
+          </a:xfrm>
+          <a:prstGeom prst="rect">
+            <a:avLst/>
+          </a:prstGeom>
+        </p:spPr>
+      </p:pic>
     </p:spTree>
     <p:extLst>
       <p:ext uri="{BB962C8B-B14F-4D97-AF65-F5344CB8AC3E}">
@@ -10219,7 +11029,9 @@
           </a:xfrm>
         </p:spPr>
         <p:txBody>
-          <a:bodyPr/>
+          <a:bodyPr>
+            <a:normAutofit/>
+          </a:bodyPr>
           <a:lstStyle/>
           <a:p>
             <a:pPr marL="0" indent="0">
@@ -10239,19 +11051,19 @@
           <a:p>
             <a:r>
               <a:rPr lang="en-US" dirty="0"/>
-              <a:t>Finding 1</a:t>
+              <a:t>JavaScript is top trending language in the world</a:t>
             </a:r>
           </a:p>
           <a:p>
             <a:r>
               <a:rPr lang="en-US" dirty="0"/>
-              <a:t>Finding 2</a:t>
+              <a:t>Python and TypeScript are becoming more and more popular</a:t>
             </a:r>
           </a:p>
           <a:p>
             <a:r>
               <a:rPr lang="en-US" dirty="0"/>
-              <a:t>Finding 3</a:t>
+              <a:t>HTML/CSS and SQL still has great portion in language usage trend</a:t>
             </a:r>
           </a:p>
         </p:txBody>
@@ -10274,7 +11086,9 @@
         </p:nvSpPr>
         <p:spPr/>
         <p:txBody>
-          <a:bodyPr/>
+          <a:bodyPr>
+            <a:normAutofit/>
+          </a:bodyPr>
           <a:lstStyle/>
           <a:p>
             <a:pPr marL="0" indent="0">
@@ -10294,19 +11108,19 @@
           <a:p>
             <a:r>
               <a:rPr lang="en-US" dirty="0"/>
-              <a:t>Implication 1</a:t>
+              <a:t>SQL is still important to technology</a:t>
             </a:r>
           </a:p>
           <a:p>
             <a:r>
               <a:rPr lang="en-US" dirty="0"/>
-              <a:t>Implication 2</a:t>
+              <a:t>TypeScript is becoming more and more important </a:t>
             </a:r>
           </a:p>
           <a:p>
             <a:r>
               <a:rPr lang="en-US" dirty="0"/>
-              <a:t>Implication 3</a:t>
+              <a:t>Python is the new trending language, especially popular in AI fields</a:t>
             </a:r>
           </a:p>
         </p:txBody>
@@ -10641,10 +11455,7 @@
             <a:pPr marL="0" indent="0">
               <a:buNone/>
             </a:pPr>
-            <a:r>
-              <a:rPr lang="en-US" sz="2200" dirty="0"/>
-              <a:t>&lt; Bar chart of top 5 databases for the current year goes here &gt;</a:t>
-            </a:r>
+            <a:endParaRPr lang="en-US" sz="2200" dirty="0"/>
           </a:p>
         </p:txBody>
       </p:sp>
@@ -10843,13 +11654,70 @@
             <a:pPr marL="0" indent="0">
               <a:buNone/>
             </a:pPr>
-            <a:r>
-              <a:rPr lang="en-US" sz="2200" dirty="0"/>
-              <a:t>&lt; Bar chart of top 5 databases for the next year goes here.&gt;</a:t>
-            </a:r>
+            <a:endParaRPr lang="en-US" sz="2200" dirty="0"/>
           </a:p>
         </p:txBody>
       </p:sp>
+      <p:pic>
+        <p:nvPicPr>
+          <p:cNvPr id="12" name="Picture 11" descr="Icon&#10;&#10;Description automatically generated">
+            <a:extLst>
+              <a:ext uri="{FF2B5EF4-FFF2-40B4-BE49-F238E27FC236}">
+                <a16:creationId xmlns:a16="http://schemas.microsoft.com/office/drawing/2014/main" id="{7A2DF8AA-5745-EC43-9A5C-927489CE7B52}"/>
+              </a:ext>
+            </a:extLst>
+          </p:cNvPr>
+          <p:cNvPicPr>
+            <a:picLocks noChangeAspect="1"/>
+          </p:cNvPicPr>
+          <p:nvPr/>
+        </p:nvPicPr>
+        <p:blipFill>
+          <a:blip r:embed="rId3"/>
+          <a:stretch>
+            <a:fillRect/>
+          </a:stretch>
+        </p:blipFill>
+        <p:spPr>
+          <a:xfrm>
+            <a:off x="5453148" y="2502967"/>
+            <a:ext cx="6344600" cy="3670301"/>
+          </a:xfrm>
+          <a:prstGeom prst="rect">
+            <a:avLst/>
+          </a:prstGeom>
+        </p:spPr>
+      </p:pic>
+      <p:pic>
+        <p:nvPicPr>
+          <p:cNvPr id="14" name="Picture 13" descr="Icon&#10;&#10;Description automatically generated">
+            <a:extLst>
+              <a:ext uri="{FF2B5EF4-FFF2-40B4-BE49-F238E27FC236}">
+                <a16:creationId xmlns:a16="http://schemas.microsoft.com/office/drawing/2014/main" id="{CB415E73-8669-666F-105D-DBE85A8BEFD3}"/>
+              </a:ext>
+            </a:extLst>
+          </p:cNvPr>
+          <p:cNvPicPr>
+            <a:picLocks noChangeAspect="1"/>
+          </p:cNvPicPr>
+          <p:nvPr/>
+        </p:nvPicPr>
+        <p:blipFill>
+          <a:blip r:embed="rId4"/>
+          <a:stretch>
+            <a:fillRect/>
+          </a:stretch>
+        </p:blipFill>
+        <p:spPr>
+          <a:xfrm>
+            <a:off x="394253" y="2499272"/>
+            <a:ext cx="5058896" cy="3670301"/>
+          </a:xfrm>
+          <a:prstGeom prst="rect">
+            <a:avLst/>
+          </a:prstGeom>
+        </p:spPr>
+      </p:pic>
     </p:spTree>
     <p:extLst>
       <p:ext uri="{BB962C8B-B14F-4D97-AF65-F5344CB8AC3E}">
@@ -11360,21 +12228,12 @@
 </file>
 
 <file path=customXml/item1.xml><?xml version="1.0" encoding="utf-8"?>
-<?mso-contentType ?>
-<FormTemplates xmlns="http://schemas.microsoft.com/sharepoint/v3/contenttype/forms">
-  <Display>DocumentLibraryForm</Display>
-  <Edit>DocumentLibraryForm</Edit>
-  <New>DocumentLibraryForm</New>
-</FormTemplates>
-</file>
-
-<file path=customXml/item2.xml><?xml version="1.0" encoding="utf-8"?>
 <p:properties xmlns:p="http://schemas.microsoft.com/office/2006/metadata/properties" xmlns:xsi="http://www.w3.org/2001/XMLSchema-instance" xmlns:pc="http://schemas.microsoft.com/office/infopath/2007/PartnerControls">
   <documentManagement/>
 </p:properties>
 </file>
 
-<file path=customXml/item3.xml><?xml version="1.0" encoding="utf-8"?>
+<file path=customXml/item2.xml><?xml version="1.0" encoding="utf-8"?>
 <ct:contentTypeSchema xmlns:ct="http://schemas.microsoft.com/office/2006/metadata/contentType" xmlns:ma="http://schemas.microsoft.com/office/2006/metadata/properties/metaAttributes" ct:_="" ma:_="" ma:contentTypeName="Document" ma:contentTypeID="0x010100EECD86F56755A646AC8AFCBCBD967F21" ma:contentTypeVersion="11" ma:contentTypeDescription="Create a new document." ma:contentTypeScope="" ma:versionID="4bc1015ece1c23b1ef2f55a62f11494f">
   <xsd:schema xmlns:xsd="http://www.w3.org/2001/XMLSchema" xmlns:xs="http://www.w3.org/2001/XMLSchema" xmlns:p="http://schemas.microsoft.com/office/2006/metadata/properties" xmlns:ns2="155be751-a274-42e8-93fb-f39d3b9bccc8" xmlns:ns3="f80a141d-92ca-4d3d-9308-f7e7b1d44ce8" targetNamespace="http://schemas.microsoft.com/office/2006/metadata/properties" ma:root="true" ma:fieldsID="efbf6837a43ed91190e40f849f23a130" ns2:_="" ns3:_="">
     <xsd:import namespace="155be751-a274-42e8-93fb-f39d3b9bccc8"/>
@@ -11585,15 +12444,16 @@
 </ct:contentTypeSchema>
 </file>
 
-<file path=customXml/itemProps1.xml><?xml version="1.0" encoding="utf-8"?>
-<ds:datastoreItem xmlns:ds="http://schemas.openxmlformats.org/officeDocument/2006/customXml" ds:itemID="{7EFDA260-DDA0-422C-B7AE-778F653FBB36}">
-  <ds:schemaRefs>
-    <ds:schemaRef ds:uri="http://schemas.microsoft.com/sharepoint/v3/contenttype/forms"/>
-  </ds:schemaRefs>
-</ds:datastoreItem>
+<file path=customXml/item3.xml><?xml version="1.0" encoding="utf-8"?>
+<?mso-contentType ?>
+<FormTemplates xmlns="http://schemas.microsoft.com/sharepoint/v3/contenttype/forms">
+  <Display>DocumentLibraryForm</Display>
+  <Edit>DocumentLibraryForm</Edit>
+  <New>DocumentLibraryForm</New>
+</FormTemplates>
 </file>
 
-<file path=customXml/itemProps2.xml><?xml version="1.0" encoding="utf-8"?>
+<file path=customXml/itemProps1.xml><?xml version="1.0" encoding="utf-8"?>
 <ds:datastoreItem xmlns:ds="http://schemas.openxmlformats.org/officeDocument/2006/customXml" ds:itemID="{54DA07C5-A406-4A0D-B3E6-3856C94AC7F3}">
   <ds:schemaRefs>
     <ds:schemaRef ds:uri="http://schemas.microsoft.com/office/2006/metadata/properties"/>
@@ -11602,7 +12462,7 @@
 </ds:datastoreItem>
 </file>
 
-<file path=customXml/itemProps3.xml><?xml version="1.0" encoding="utf-8"?>
+<file path=customXml/itemProps2.xml><?xml version="1.0" encoding="utf-8"?>
 <ds:datastoreItem xmlns:ds="http://schemas.openxmlformats.org/officeDocument/2006/customXml" ds:itemID="{887AE8FE-83F0-42D0-BB5E-14AD3FB1DE17}">
   <ds:schemaRefs>
     <ds:schemaRef ds:uri="http://schemas.microsoft.com/office/2006/metadata/contentType"/>
@@ -11619,4 +12479,12 @@
     <ds:schemaRef ds:uri="http://schemas.microsoft.com/internal/obd"/>
   </ds:schemaRefs>
 </ds:datastoreItem>
+</file>
+
+<file path=customXml/itemProps3.xml><?xml version="1.0" encoding="utf-8"?>
+<ds:datastoreItem xmlns:ds="http://schemas.openxmlformats.org/officeDocument/2006/customXml" ds:itemID="{7EFDA260-DDA0-422C-B7AE-778F653FBB36}">
+  <ds:schemaRefs>
+    <ds:schemaRef ds:uri="http://schemas.microsoft.com/sharepoint/v3/contenttype/forms"/>
+  </ds:schemaRefs>
+</ds:datastoreItem>
 </file>